--- a/doc/presentation.pptx
+++ b/doc/presentation.pptx
@@ -4006,8 +4006,12 @@
               <a:t>Repetitions</a:t>
             </a:r>
             <a:r>
-              <a:rPr lang="en-US" dirty="0" smtClean="0"/>
-              <a:t>: 25</a:t>
+              <a:rPr lang="en-US" smtClean="0"/>
+              <a:t>: </a:t>
+            </a:r>
+            <a:r>
+              <a:rPr lang="en-US" smtClean="0"/>
+              <a:t>30</a:t>
             </a:r>
             <a:endParaRPr lang="en-GB" dirty="0"/>
           </a:p>
@@ -5882,6 +5886,21 @@
 </file>
 
 <file path=customXml/item1.xml><?xml version="1.0" encoding="utf-8"?>
+<p:properties xmlns:p="http://schemas.microsoft.com/office/2006/metadata/properties" xmlns:xsi="http://www.w3.org/2001/XMLSchema-instance" xmlns:pc="http://schemas.microsoft.com/office/infopath/2007/PartnerControls">
+  <documentManagement/>
+</p:properties>
+</file>
+
+<file path=customXml/item2.xml><?xml version="1.0" encoding="utf-8"?>
+<?mso-contentType ?>
+<FormTemplates xmlns="http://schemas.microsoft.com/sharepoint/v3/contenttype/forms">
+  <Display>DocumentLibraryForm</Display>
+  <Edit>DocumentLibraryForm</Edit>
+  <New>DocumentLibraryForm</New>
+</FormTemplates>
+</file>
+
+<file path=customXml/item3.xml><?xml version="1.0" encoding="utf-8"?>
 <ct:contentTypeSchema xmlns:ct="http://schemas.microsoft.com/office/2006/metadata/contentType" xmlns:ma="http://schemas.microsoft.com/office/2006/metadata/properties/metaAttributes" ct:_="" ma:_="" ma:contentTypeName="Document" ma:contentTypeID="0x010100C687FE89022D204C8D0ED2A17BC74D3B" ma:contentTypeVersion="4" ma:contentTypeDescription="Create a new document." ma:contentTypeScope="" ma:versionID="cab1db6dd5dff4db7fa9da98f6766386">
   <xsd:schema xmlns:xsd="http://www.w3.org/2001/XMLSchema" xmlns:xs="http://www.w3.org/2001/XMLSchema" xmlns:p="http://schemas.microsoft.com/office/2006/metadata/properties" xmlns:ns2="842b053f-d477-4c7e-9ab1-e167ef0c5149" targetNamespace="http://schemas.microsoft.com/office/2006/metadata/properties" ma:root="true" ma:fieldsID="932c0f22b973d6cf36462249782544c8" ns2:_="">
     <xsd:import namespace="842b053f-d477-4c7e-9ab1-e167ef0c5149"/>
@@ -6025,22 +6044,31 @@
 </ct:contentTypeSchema>
 </file>
 
-<file path=customXml/item2.xml><?xml version="1.0" encoding="utf-8"?>
-<?mso-contentType ?>
-<FormTemplates xmlns="http://schemas.microsoft.com/sharepoint/v3/contenttype/forms">
-  <Display>DocumentLibraryForm</Display>
-  <Edit>DocumentLibraryForm</Edit>
-  <New>DocumentLibraryForm</New>
-</FormTemplates>
+<file path=customXml/itemProps1.xml><?xml version="1.0" encoding="utf-8"?>
+<ds:datastoreItem xmlns:ds="http://schemas.openxmlformats.org/officeDocument/2006/customXml" ds:itemID="{631BEE26-3C20-4E8C-9625-073F607AE577}">
+  <ds:schemaRefs>
+    <ds:schemaRef ds:uri="http://schemas.microsoft.com/office/2006/documentManagement/types"/>
+    <ds:schemaRef ds:uri="http://schemas.openxmlformats.org/package/2006/metadata/core-properties"/>
+    <ds:schemaRef ds:uri="http://schemas.microsoft.com/office/2006/metadata/properties"/>
+    <ds:schemaRef ds:uri="http://purl.org/dc/elements/1.1/"/>
+    <ds:schemaRef ds:uri="842b053f-d477-4c7e-9ab1-e167ef0c5149"/>
+    <ds:schemaRef ds:uri="http://purl.org/dc/dcmitype/"/>
+    <ds:schemaRef ds:uri="http://schemas.microsoft.com/office/infopath/2007/PartnerControls"/>
+    <ds:schemaRef ds:uri="http://www.w3.org/XML/1998/namespace"/>
+    <ds:schemaRef ds:uri="http://purl.org/dc/terms/"/>
+  </ds:schemaRefs>
+</ds:datastoreItem>
 </file>
 
-<file path=customXml/item3.xml><?xml version="1.0" encoding="utf-8"?>
-<p:properties xmlns:p="http://schemas.microsoft.com/office/2006/metadata/properties" xmlns:xsi="http://www.w3.org/2001/XMLSchema-instance" xmlns:pc="http://schemas.microsoft.com/office/infopath/2007/PartnerControls">
-  <documentManagement/>
-</p:properties>
+<file path=customXml/itemProps2.xml><?xml version="1.0" encoding="utf-8"?>
+<ds:datastoreItem xmlns:ds="http://schemas.openxmlformats.org/officeDocument/2006/customXml" ds:itemID="{D0D286F5-FEB5-4E6A-9CAE-88D7CF4F2044}">
+  <ds:schemaRefs>
+    <ds:schemaRef ds:uri="http://schemas.microsoft.com/sharepoint/v3/contenttype/forms"/>
+  </ds:schemaRefs>
+</ds:datastoreItem>
 </file>
 
-<file path=customXml/itemProps1.xml><?xml version="1.0" encoding="utf-8"?>
+<file path=customXml/itemProps3.xml><?xml version="1.0" encoding="utf-8"?>
 <ds:datastoreItem xmlns:ds="http://schemas.openxmlformats.org/officeDocument/2006/customXml" ds:itemID="{B3057823-7DDE-40AA-9E23-B243E33D0710}">
   <ds:schemaRefs>
     <ds:schemaRef ds:uri="http://schemas.microsoft.com/office/2006/metadata/contentType"/>
@@ -6056,28 +6084,4 @@
     <ds:schemaRef ds:uri="http://schemas.microsoft.com/internal/obd"/>
   </ds:schemaRefs>
 </ds:datastoreItem>
-</file>
-
-<file path=customXml/itemProps2.xml><?xml version="1.0" encoding="utf-8"?>
-<ds:datastoreItem xmlns:ds="http://schemas.openxmlformats.org/officeDocument/2006/customXml" ds:itemID="{D0D286F5-FEB5-4E6A-9CAE-88D7CF4F2044}">
-  <ds:schemaRefs>
-    <ds:schemaRef ds:uri="http://schemas.microsoft.com/sharepoint/v3/contenttype/forms"/>
-  </ds:schemaRefs>
-</ds:datastoreItem>
-</file>
-
-<file path=customXml/itemProps3.xml><?xml version="1.0" encoding="utf-8"?>
-<ds:datastoreItem xmlns:ds="http://schemas.openxmlformats.org/officeDocument/2006/customXml" ds:itemID="{631BEE26-3C20-4E8C-9625-073F607AE577}">
-  <ds:schemaRefs>
-    <ds:schemaRef ds:uri="http://schemas.microsoft.com/office/2006/documentManagement/types"/>
-    <ds:schemaRef ds:uri="http://schemas.openxmlformats.org/package/2006/metadata/core-properties"/>
-    <ds:schemaRef ds:uri="http://schemas.microsoft.com/office/2006/metadata/properties"/>
-    <ds:schemaRef ds:uri="http://purl.org/dc/elements/1.1/"/>
-    <ds:schemaRef ds:uri="842b053f-d477-4c7e-9ab1-e167ef0c5149"/>
-    <ds:schemaRef ds:uri="http://purl.org/dc/dcmitype/"/>
-    <ds:schemaRef ds:uri="http://schemas.microsoft.com/office/infopath/2007/PartnerControls"/>
-    <ds:schemaRef ds:uri="http://www.w3.org/XML/1998/namespace"/>
-    <ds:schemaRef ds:uri="http://purl.org/dc/terms/"/>
-  </ds:schemaRefs>
-</ds:datastoreItem>
 </file>